--- a/03 Форматирање табеле/Форматирање табеле презентација.pptx
+++ b/03 Форматирање табеле/Форматирање табеле презентација.pptx
@@ -296,6 +296,7 @@
           <a:p>
             <a:fld id="{21455408-2B16-4D2C-9020-B995CEF172C0}" type="datetimeFigureOut">
               <a:rPr lang="en-US" smtClean="0"/>
+              <a:pPr/>
               <a:t>9/14/2024</a:t>
             </a:fld>
             <a:endParaRPr lang="en-US"/>
@@ -338,6 +339,7 @@
           <a:p>
             <a:fld id="{7E5852E0-2281-4527-96F7-1003CBE07880}" type="slidenum">
               <a:rPr lang="en-US" smtClean="0"/>
+              <a:pPr/>
               <a:t>‹#›</a:t>
             </a:fld>
             <a:endParaRPr lang="en-US"/>
@@ -461,6 +463,7 @@
           <a:p>
             <a:fld id="{21455408-2B16-4D2C-9020-B995CEF172C0}" type="datetimeFigureOut">
               <a:rPr lang="en-US" smtClean="0"/>
+              <a:pPr/>
               <a:t>9/14/2024</a:t>
             </a:fld>
             <a:endParaRPr lang="en-US"/>
@@ -503,6 +506,7 @@
           <a:p>
             <a:fld id="{7E5852E0-2281-4527-96F7-1003CBE07880}" type="slidenum">
               <a:rPr lang="en-US" smtClean="0"/>
+              <a:pPr/>
               <a:t>‹#›</a:t>
             </a:fld>
             <a:endParaRPr lang="en-US"/>
@@ -636,6 +640,7 @@
           <a:p>
             <a:fld id="{21455408-2B16-4D2C-9020-B995CEF172C0}" type="datetimeFigureOut">
               <a:rPr lang="en-US" smtClean="0"/>
+              <a:pPr/>
               <a:t>9/14/2024</a:t>
             </a:fld>
             <a:endParaRPr lang="en-US"/>
@@ -678,6 +683,7 @@
           <a:p>
             <a:fld id="{7E5852E0-2281-4527-96F7-1003CBE07880}" type="slidenum">
               <a:rPr lang="en-US" smtClean="0"/>
+              <a:pPr/>
               <a:t>‹#›</a:t>
             </a:fld>
             <a:endParaRPr lang="en-US"/>
@@ -801,6 +807,7 @@
           <a:p>
             <a:fld id="{21455408-2B16-4D2C-9020-B995CEF172C0}" type="datetimeFigureOut">
               <a:rPr lang="en-US" smtClean="0"/>
+              <a:pPr/>
               <a:t>9/14/2024</a:t>
             </a:fld>
             <a:endParaRPr lang="en-US"/>
@@ -843,6 +850,7 @@
           <a:p>
             <a:fld id="{7E5852E0-2281-4527-96F7-1003CBE07880}" type="slidenum">
               <a:rPr lang="en-US" smtClean="0"/>
+              <a:pPr/>
               <a:t>‹#›</a:t>
             </a:fld>
             <a:endParaRPr lang="en-US"/>
@@ -1042,6 +1050,7 @@
           <a:p>
             <a:fld id="{21455408-2B16-4D2C-9020-B995CEF172C0}" type="datetimeFigureOut">
               <a:rPr lang="en-US" smtClean="0"/>
+              <a:pPr/>
               <a:t>9/14/2024</a:t>
             </a:fld>
             <a:endParaRPr lang="en-US"/>
@@ -1084,6 +1093,7 @@
           <a:p>
             <a:fld id="{7E5852E0-2281-4527-96F7-1003CBE07880}" type="slidenum">
               <a:rPr lang="en-US" smtClean="0"/>
+              <a:pPr/>
               <a:t>‹#›</a:t>
             </a:fld>
             <a:endParaRPr lang="en-US"/>
@@ -1325,6 +1335,7 @@
           <a:p>
             <a:fld id="{21455408-2B16-4D2C-9020-B995CEF172C0}" type="datetimeFigureOut">
               <a:rPr lang="en-US" smtClean="0"/>
+              <a:pPr/>
               <a:t>9/14/2024</a:t>
             </a:fld>
             <a:endParaRPr lang="en-US"/>
@@ -1367,6 +1378,7 @@
           <a:p>
             <a:fld id="{7E5852E0-2281-4527-96F7-1003CBE07880}" type="slidenum">
               <a:rPr lang="en-US" smtClean="0"/>
+              <a:pPr/>
               <a:t>‹#›</a:t>
             </a:fld>
             <a:endParaRPr lang="en-US"/>
@@ -1742,6 +1754,7 @@
           <a:p>
             <a:fld id="{21455408-2B16-4D2C-9020-B995CEF172C0}" type="datetimeFigureOut">
               <a:rPr lang="en-US" smtClean="0"/>
+              <a:pPr/>
               <a:t>9/14/2024</a:t>
             </a:fld>
             <a:endParaRPr lang="en-US"/>
@@ -1784,6 +1797,7 @@
           <a:p>
             <a:fld id="{7E5852E0-2281-4527-96F7-1003CBE07880}" type="slidenum">
               <a:rPr lang="en-US" smtClean="0"/>
+              <a:pPr/>
               <a:t>‹#›</a:t>
             </a:fld>
             <a:endParaRPr lang="en-US"/>
@@ -1855,6 +1869,7 @@
           <a:p>
             <a:fld id="{21455408-2B16-4D2C-9020-B995CEF172C0}" type="datetimeFigureOut">
               <a:rPr lang="en-US" smtClean="0"/>
+              <a:pPr/>
               <a:t>9/14/2024</a:t>
             </a:fld>
             <a:endParaRPr lang="en-US"/>
@@ -1897,6 +1912,7 @@
           <a:p>
             <a:fld id="{7E5852E0-2281-4527-96F7-1003CBE07880}" type="slidenum">
               <a:rPr lang="en-US" smtClean="0"/>
+              <a:pPr/>
               <a:t>‹#›</a:t>
             </a:fld>
             <a:endParaRPr lang="en-US"/>
@@ -1945,6 +1961,7 @@
           <a:p>
             <a:fld id="{21455408-2B16-4D2C-9020-B995CEF172C0}" type="datetimeFigureOut">
               <a:rPr lang="en-US" smtClean="0"/>
+              <a:pPr/>
               <a:t>9/14/2024</a:t>
             </a:fld>
             <a:endParaRPr lang="en-US"/>
@@ -1987,6 +2004,7 @@
           <a:p>
             <a:fld id="{7E5852E0-2281-4527-96F7-1003CBE07880}" type="slidenum">
               <a:rPr lang="en-US" smtClean="0"/>
+              <a:pPr/>
               <a:t>‹#›</a:t>
             </a:fld>
             <a:endParaRPr lang="en-US"/>
@@ -2217,6 +2235,7 @@
           <a:p>
             <a:fld id="{21455408-2B16-4D2C-9020-B995CEF172C0}" type="datetimeFigureOut">
               <a:rPr lang="en-US" smtClean="0"/>
+              <a:pPr/>
               <a:t>9/14/2024</a:t>
             </a:fld>
             <a:endParaRPr lang="en-US"/>
@@ -2259,6 +2278,7 @@
           <a:p>
             <a:fld id="{7E5852E0-2281-4527-96F7-1003CBE07880}" type="slidenum">
               <a:rPr lang="en-US" smtClean="0"/>
+              <a:pPr/>
               <a:t>‹#›</a:t>
             </a:fld>
             <a:endParaRPr lang="en-US"/>
@@ -2465,6 +2485,7 @@
           <a:p>
             <a:fld id="{21455408-2B16-4D2C-9020-B995CEF172C0}" type="datetimeFigureOut">
               <a:rPr lang="en-US" smtClean="0"/>
+              <a:pPr/>
               <a:t>9/14/2024</a:t>
             </a:fld>
             <a:endParaRPr lang="en-US"/>
@@ -2507,6 +2528,7 @@
           <a:p>
             <a:fld id="{7E5852E0-2281-4527-96F7-1003CBE07880}" type="slidenum">
               <a:rPr lang="en-US" smtClean="0"/>
+              <a:pPr/>
               <a:t>‹#›</a:t>
             </a:fld>
             <a:endParaRPr lang="en-US"/>
@@ -2525,9 +2547,19 @@
 <p:sldMaster xmlns:a="http://schemas.openxmlformats.org/drawingml/2006/main" xmlns:r="http://schemas.openxmlformats.org/officeDocument/2006/relationships" xmlns:p="http://schemas.openxmlformats.org/presentationml/2006/main">
   <p:cSld>
     <p:bg>
-      <p:bgRef idx="1001">
-        <a:schemeClr val="bg1"/>
-      </p:bgRef>
+      <p:bgPr>
+        <a:blipFill dpi="0" rotWithShape="1">
+          <a:blip r:embed="rId13">
+            <a:alphaModFix amt="24000"/>
+            <a:lum/>
+          </a:blip>
+          <a:srcRect/>
+          <a:stretch>
+            <a:fillRect t="-20000" b="-20000"/>
+          </a:stretch>
+        </a:blipFill>
+        <a:effectLst/>
+      </p:bgPr>
     </p:bg>
     <p:spTree>
       <p:nvGrpSpPr>
@@ -2673,6 +2705,7 @@
           <a:p>
             <a:fld id="{21455408-2B16-4D2C-9020-B995CEF172C0}" type="datetimeFigureOut">
               <a:rPr lang="en-US" smtClean="0"/>
+              <a:pPr/>
               <a:t>9/14/2024</a:t>
             </a:fld>
             <a:endParaRPr lang="en-US"/>
@@ -2751,6 +2784,7 @@
           <a:p>
             <a:fld id="{7E5852E0-2281-4527-96F7-1003CBE07880}" type="slidenum">
               <a:rPr lang="en-US" smtClean="0"/>
+              <a:pPr/>
               <a:t>‹#›</a:t>
             </a:fld>
             <a:endParaRPr lang="en-US"/>
@@ -3157,10 +3191,8 @@
               <a:t>Otvoriti u web pretraživaču sledeću adresu: </a:t>
             </a:r>
             <a:r>
-              <a:rPr lang="sr-Latn-RS" dirty="0" smtClean="0">
-                <a:hlinkClick r:id="rId2"/>
-              </a:rPr>
-              <a:t>https://github.com//vulkanznanje/fajlovi </a:t>
+              <a:rPr lang="en-US" dirty="0" smtClean="0"/>
+              <a:t>https://github.com/InformatikaTamara/8_razred/</a:t>
             </a:r>
             <a:r>
               <a:rPr lang="sr-Latn-RS" dirty="0" smtClean="0">
@@ -3177,13 +3209,19 @@
             </a:r>
             <a:r>
               <a:rPr lang="sr-Latn-RS" dirty="0" smtClean="0"/>
-              <a:t>Informatika i računarstvo 8</a:t>
+              <a:t>03 Formatiranje tabele</a:t>
             </a:r>
             <a:r>
               <a:rPr lang="sr-Latn-RS" dirty="0" smtClean="0">
                 <a:sym typeface="Wingdings" pitchFamily="2" charset="2"/>
               </a:rPr>
-              <a:t>Fajlovi za vežbanje  Takmicenje plain.xlsx  View raw  Download file/Preuzmi fajl</a:t>
+              <a:t>Takmicenje </a:t>
+            </a:r>
+            <a:r>
+              <a:rPr lang="sr-Latn-RS" dirty="0" smtClean="0">
+                <a:sym typeface="Wingdings" pitchFamily="2" charset="2"/>
+              </a:rPr>
+              <a:t>plain.xlsx  View raw  Download file/Preuzmi fajl</a:t>
             </a:r>
           </a:p>
           <a:p>
@@ -3262,14 +3300,12 @@
               <a:rPr lang="sr-Cyrl-RS" dirty="0" smtClean="0"/>
               <a:t>Пре било које промене мора се означити део табеле на које се жељено подешавање односи. </a:t>
             </a:r>
-            <a:endParaRPr lang="sr-Cyrl-RS" dirty="0" smtClean="0"/>
           </a:p>
           <a:p>
             <a:r>
               <a:rPr lang="sr-Cyrl-RS" dirty="0" smtClean="0"/>
               <a:t>За означавање, осим превлачења мишем,  може да се користи и тастер Шифт и стрелице на тастатури.</a:t>
             </a:r>
-            <a:endParaRPr lang="sr-Cyrl-RS" dirty="0" smtClean="0"/>
           </a:p>
           <a:p>
             <a:r>
@@ -3828,14 +3864,50 @@
           </a:p>
           <a:p>
             <a:r>
+              <a:rPr lang="en-US" dirty="0" smtClean="0"/>
+              <a:t>https://github.com/InformatikaTamara/8_razred/</a:t>
+            </a:r>
+            <a:r>
               <a:rPr lang="sr-Latn-RS" dirty="0" smtClean="0">
+                <a:sym typeface="Wingdings" pitchFamily="2" charset="2"/>
+              </a:rPr>
+              <a:t></a:t>
+            </a:r>
+            <a:r>
+              <a:rPr lang="sr-Latn-RS" dirty="0" smtClean="0">
+                <a:sym typeface="Wingdings" pitchFamily="2" charset="2"/>
                 <a:hlinkClick r:id="rId2"/>
               </a:rPr>
-              <a:t>https://github.com//InformatikaTamara//8_razred/FormatiranjeTabela</a:t>
-            </a:r>
-            <a:endParaRPr lang="sr-Latn-RS" dirty="0" smtClean="0"/>
-          </a:p>
-          <a:p>
+              <a:t> </a:t>
+            </a:r>
+            <a:r>
+              <a:rPr lang="sr-Latn-RS" dirty="0" smtClean="0"/>
+              <a:t>03 Formatiranje tabele</a:t>
+            </a:r>
+            <a:r>
+              <a:rPr lang="sr-Latn-RS" dirty="0" smtClean="0">
+                <a:sym typeface="Wingdings" pitchFamily="2" charset="2"/>
+              </a:rPr>
+              <a:t></a:t>
+            </a:r>
+            <a:r>
+              <a:rPr lang="sr-Cyrl-RS" dirty="0" smtClean="0">
+                <a:sym typeface="Wingdings" pitchFamily="2" charset="2"/>
+              </a:rPr>
+              <a:t>Форматирање табеле презентација.</a:t>
+            </a:r>
+            <a:r>
+              <a:rPr lang="sr-Latn-RS" dirty="0" smtClean="0">
+                <a:sym typeface="Wingdings" pitchFamily="2" charset="2"/>
+              </a:rPr>
+              <a:t>pptx </a:t>
+            </a:r>
+            <a:r>
+              <a:rPr lang="sr-Latn-RS" dirty="0" smtClean="0">
+                <a:sym typeface="Wingdings" pitchFamily="2" charset="2"/>
+              </a:rPr>
+              <a:t>View raw  Download file/Preuzmi fajl</a:t>
+            </a:r>
             <a:endParaRPr lang="sr-Latn-RS" dirty="0"/>
           </a:p>
           <a:p>
